--- a/test_원본.pptx
+++ b/test_원본.pptx
@@ -6,8 +6,8 @@
   </p:sldMasterIdLst>
   <p:sldIdLst>
     <p:sldId id="256" r:id="rId2"/>
-    <p:sldId id="257" r:id="rId3"/>
-    <p:sldId id="258" r:id="rId4"/>
+    <p:sldId id="259" r:id="rId3"/>
+    <p:sldId id="260" r:id="rId4"/>
   </p:sldIdLst>
   <p:sldSz cx="12192000" cy="6858000"/>
   <p:notesSz cx="6858000" cy="9144000"/>
@@ -245,7 +245,7 @@
           <a:p>
             <a:fld id="{EE7D626E-D2B9-4517-8FCA-2C1B85368B6A}" type="datetimeFigureOut">
               <a:rPr lang="en-US" smtClean="0"/>
-              <a:t>4/24/2018</a:t>
+              <a:t>4/26/2018</a:t>
             </a:fld>
             <a:endParaRPr lang="en-US"/>
           </a:p>
@@ -415,7 +415,7 @@
           <a:p>
             <a:fld id="{EE7D626E-D2B9-4517-8FCA-2C1B85368B6A}" type="datetimeFigureOut">
               <a:rPr lang="en-US" smtClean="0"/>
-              <a:t>4/24/2018</a:t>
+              <a:t>4/26/2018</a:t>
             </a:fld>
             <a:endParaRPr lang="en-US"/>
           </a:p>
@@ -595,7 +595,7 @@
           <a:p>
             <a:fld id="{EE7D626E-D2B9-4517-8FCA-2C1B85368B6A}" type="datetimeFigureOut">
               <a:rPr lang="en-US" smtClean="0"/>
-              <a:t>4/24/2018</a:t>
+              <a:t>4/26/2018</a:t>
             </a:fld>
             <a:endParaRPr lang="en-US"/>
           </a:p>
@@ -765,7 +765,7 @@
           <a:p>
             <a:fld id="{EE7D626E-D2B9-4517-8FCA-2C1B85368B6A}" type="datetimeFigureOut">
               <a:rPr lang="en-US" smtClean="0"/>
-              <a:t>4/24/2018</a:t>
+              <a:t>4/26/2018</a:t>
             </a:fld>
             <a:endParaRPr lang="en-US"/>
           </a:p>
@@ -1011,7 +1011,7 @@
           <a:p>
             <a:fld id="{EE7D626E-D2B9-4517-8FCA-2C1B85368B6A}" type="datetimeFigureOut">
               <a:rPr lang="en-US" smtClean="0"/>
-              <a:t>4/24/2018</a:t>
+              <a:t>4/26/2018</a:t>
             </a:fld>
             <a:endParaRPr lang="en-US"/>
           </a:p>
@@ -1243,7 +1243,7 @@
           <a:p>
             <a:fld id="{EE7D626E-D2B9-4517-8FCA-2C1B85368B6A}" type="datetimeFigureOut">
               <a:rPr lang="en-US" smtClean="0"/>
-              <a:t>4/24/2018</a:t>
+              <a:t>4/26/2018</a:t>
             </a:fld>
             <a:endParaRPr lang="en-US"/>
           </a:p>
@@ -1610,7 +1610,7 @@
           <a:p>
             <a:fld id="{EE7D626E-D2B9-4517-8FCA-2C1B85368B6A}" type="datetimeFigureOut">
               <a:rPr lang="en-US" smtClean="0"/>
-              <a:t>4/24/2018</a:t>
+              <a:t>4/26/2018</a:t>
             </a:fld>
             <a:endParaRPr lang="en-US"/>
           </a:p>
@@ -1728,7 +1728,7 @@
           <a:p>
             <a:fld id="{EE7D626E-D2B9-4517-8FCA-2C1B85368B6A}" type="datetimeFigureOut">
               <a:rPr lang="en-US" smtClean="0"/>
-              <a:t>4/24/2018</a:t>
+              <a:t>4/26/2018</a:t>
             </a:fld>
             <a:endParaRPr lang="en-US"/>
           </a:p>
@@ -1823,7 +1823,7 @@
           <a:p>
             <a:fld id="{EE7D626E-D2B9-4517-8FCA-2C1B85368B6A}" type="datetimeFigureOut">
               <a:rPr lang="en-US" smtClean="0"/>
-              <a:t>4/24/2018</a:t>
+              <a:t>4/26/2018</a:t>
             </a:fld>
             <a:endParaRPr lang="en-US"/>
           </a:p>
@@ -2100,7 +2100,7 @@
           <a:p>
             <a:fld id="{EE7D626E-D2B9-4517-8FCA-2C1B85368B6A}" type="datetimeFigureOut">
               <a:rPr lang="en-US" smtClean="0"/>
-              <a:t>4/24/2018</a:t>
+              <a:t>4/26/2018</a:t>
             </a:fld>
             <a:endParaRPr lang="en-US"/>
           </a:p>
@@ -2353,7 +2353,7 @@
           <a:p>
             <a:fld id="{EE7D626E-D2B9-4517-8FCA-2C1B85368B6A}" type="datetimeFigureOut">
               <a:rPr lang="en-US" smtClean="0"/>
-              <a:t>4/24/2018</a:t>
+              <a:t>4/26/2018</a:t>
             </a:fld>
             <a:endParaRPr lang="en-US"/>
           </a:p>
@@ -2566,7 +2566,7 @@
           <a:p>
             <a:fld id="{EE7D626E-D2B9-4517-8FCA-2C1B85368B6A}" type="datetimeFigureOut">
               <a:rPr lang="en-US" smtClean="0"/>
-              <a:t>4/24/2018</a:t>
+              <a:t>4/26/2018</a:t>
             </a:fld>
             <a:endParaRPr lang="en-US"/>
           </a:p>
@@ -2957,6 +2957,14 @@
 <file path=ppt/slides/slide1.xml><?xml version="1.0" encoding="utf-8"?>
 <p:sld xmlns:a="http://schemas.openxmlformats.org/drawingml/2006/main" xmlns:r="http://schemas.openxmlformats.org/officeDocument/2006/relationships" xmlns:p="http://schemas.openxmlformats.org/presentationml/2006/main">
   <p:cSld>
+    <p:bg>
+      <p:bgPr>
+        <a:solidFill>
+          <a:srgbClr val="7030A0"/>
+        </a:solidFill>
+        <a:effectLst/>
+      </p:bgPr>
+    </p:bg>
     <p:spTree>
       <p:nvGrpSpPr>
         <p:cNvPr id="1" name=""/>
@@ -2987,14 +2995,14 @@
           <a:lstStyle/>
           <a:p>
             <a:r>
-              <a:rPr lang="en-US" b="1" i="1" dirty="0" smtClean="0">
+              <a:rPr lang="en-US" b="1" i="1" u="sng" dirty="0" smtClean="0">
                 <a:solidFill>
                   <a:srgbClr val="FF0000"/>
                 </a:solidFill>
               </a:rPr>
               <a:t>h1</a:t>
             </a:r>
-            <a:endParaRPr lang="en-US" b="1" i="1" dirty="0">
+            <a:endParaRPr lang="en-US" b="1" i="1" u="sng" dirty="0">
               <a:solidFill>
                 <a:srgbClr val="FF0000"/>
               </a:solidFill>
@@ -3012,7 +3020,11 @@
             <p:ph type="subTitle" idx="1"/>
           </p:nvPr>
         </p:nvSpPr>
-        <p:spPr/>
+        <p:spPr>
+          <a:solidFill>
+            <a:srgbClr val="FFC000"/>
+          </a:solidFill>
+        </p:spPr>
         <p:txBody>
           <a:bodyPr/>
           <a:lstStyle/>
@@ -3021,7 +3033,7 @@
               <a:rPr lang="en-US" dirty="0" smtClean="0"/>
               <a:t>h1</a:t>
             </a:r>
-            <a:endParaRPr lang="en-US"/>
+            <a:endParaRPr lang="en-US" dirty="0"/>
           </a:p>
         </p:txBody>
       </p:sp>
@@ -3063,8 +3075,8 @@
         </p:nvSpPr>
         <p:spPr>
           <a:xfrm>
-            <a:off x="2705101" y="6193971"/>
-            <a:ext cx="1441357" cy="369332"/>
+            <a:off x="2683330" y="6101638"/>
+            <a:ext cx="1858009" cy="461665"/>
           </a:xfrm>
           <a:prstGeom prst="rect">
             <a:avLst/>
@@ -3078,10 +3090,18 @@
           <a:lstStyle/>
           <a:p>
             <a:r>
-              <a:rPr lang="en-US" dirty="0" smtClean="0"/>
+              <a:rPr lang="en-US" sz="2400" dirty="0" smtClean="0">
+                <a:solidFill>
+                  <a:srgbClr val="0070C0"/>
+                </a:solidFill>
+              </a:rPr>
               <a:t>New Text Box</a:t>
             </a:r>
-            <a:endParaRPr lang="en-US" dirty="0"/>
+            <a:endParaRPr lang="en-US" sz="2400" dirty="0">
+              <a:solidFill>
+                <a:srgbClr val="0070C0"/>
+              </a:solidFill>
+            </a:endParaRPr>
           </a:p>
         </p:txBody>
       </p:sp>
@@ -3091,6 +3111,25 @@
   <p:clrMapOvr>
     <a:masterClrMapping/>
   </p:clrMapOvr>
+  <mc:AlternateContent xmlns:mc="http://schemas.openxmlformats.org/markup-compatibility/2006" xmlns:p14="http://schemas.microsoft.com/office/powerpoint/2010/main">
+    <mc:Choice Requires="p14">
+      <p:transition spd="med" p14:dur="700">
+        <p:fade/>
+      </p:transition>
+    </mc:Choice>
+    <mc:Fallback xmlns="">
+      <p:transition spd="med">
+        <p:fade/>
+      </p:transition>
+    </mc:Fallback>
+  </mc:AlternateContent>
+  <p:timing>
+    <p:tnLst>
+      <p:par>
+        <p:cTn id="1" dur="indefinite" restart="never" nodeType="tmRoot"/>
+      </p:par>
+    </p:tnLst>
+  </p:timing>
 </p:sld>
 </file>
 
@@ -3118,7 +3157,7 @@
             <a:spLocks noGrp="1"/>
           </p:cNvSpPr>
           <p:nvPr>
-            <p:ph type="ctrTitle"/>
+            <p:ph type="title"/>
           </p:nvPr>
         </p:nvSpPr>
         <p:spPr/>
@@ -3134,29 +3173,137 @@
           </a:p>
         </p:txBody>
       </p:sp>
-      <p:sp>
-        <p:nvSpPr>
-          <p:cNvPr id="3" name="부제목 2"/>
-          <p:cNvSpPr>
-            <a:spLocks noGrp="1"/>
-          </p:cNvSpPr>
-          <p:nvPr>
-            <p:ph type="subTitle" idx="1"/>
-          </p:nvPr>
-        </p:nvSpPr>
-        <p:spPr/>
-        <p:txBody>
-          <a:bodyPr/>
-          <a:lstStyle/>
-          <a:p>
-            <a:endParaRPr lang="en-US"/>
-          </a:p>
-        </p:txBody>
-      </p:sp>
+      <p:pic>
+        <p:nvPicPr>
+          <p:cNvPr id="4" name="내용 개체 틀 3"/>
+          <p:cNvPicPr>
+            <a:picLocks noGrp="1" noChangeAspect="1"/>
+          </p:cNvPicPr>
+          <p:nvPr>
+            <p:ph idx="1"/>
+          </p:nvPr>
+        </p:nvPicPr>
+        <p:blipFill>
+          <a:blip r:embed="rId2" cstate="print">
+            <a:extLst>
+              <a:ext uri="{28A0092B-C50C-407E-A947-70E740481C1C}">
+                <a14:useLocalDpi xmlns:a14="http://schemas.microsoft.com/office/drawing/2010/main" val="0"/>
+              </a:ext>
+            </a:extLst>
+          </a:blip>
+          <a:stretch>
+            <a:fillRect/>
+          </a:stretch>
+        </p:blipFill>
+        <p:spPr>
+          <a:xfrm>
+            <a:off x="838200" y="1690688"/>
+            <a:ext cx="2900892" cy="4351338"/>
+          </a:xfrm>
+        </p:spPr>
+      </p:pic>
+      <p:pic>
+        <p:nvPicPr>
+          <p:cNvPr id="5" name="그림 4"/>
+          <p:cNvPicPr>
+            <a:picLocks noChangeAspect="1"/>
+          </p:cNvPicPr>
+          <p:nvPr/>
+        </p:nvPicPr>
+        <p:blipFill>
+          <a:blip r:embed="rId3" cstate="print">
+            <a:extLst>
+              <a:ext uri="{28A0092B-C50C-407E-A947-70E740481C1C}">
+                <a14:useLocalDpi xmlns:a14="http://schemas.microsoft.com/office/drawing/2010/main" val="0"/>
+              </a:ext>
+            </a:extLst>
+          </a:blip>
+          <a:stretch>
+            <a:fillRect/>
+          </a:stretch>
+        </p:blipFill>
+        <p:spPr>
+          <a:xfrm>
+            <a:off x="4093722" y="1365364"/>
+            <a:ext cx="4004555" cy="5001986"/>
+          </a:xfrm>
+          <a:prstGeom prst="rect">
+            <a:avLst/>
+          </a:prstGeom>
+          <a:ln w="38100" cap="sq">
+            <a:solidFill>
+              <a:srgbClr val="000000"/>
+            </a:solidFill>
+            <a:prstDash val="solid"/>
+            <a:miter lim="800000"/>
+          </a:ln>
+          <a:effectLst>
+            <a:outerShdw blurRad="50800" dist="38100" dir="2700000" algn="tl" rotWithShape="0">
+              <a:srgbClr val="000000">
+                <a:alpha val="43000"/>
+              </a:srgbClr>
+            </a:outerShdw>
+          </a:effectLst>
+        </p:spPr>
+      </p:pic>
+      <p:pic>
+        <p:nvPicPr>
+          <p:cNvPr id="6" name="그림 5"/>
+          <p:cNvPicPr>
+            <a:picLocks noChangeAspect="1"/>
+          </p:cNvPicPr>
+          <p:nvPr/>
+        </p:nvPicPr>
+        <p:blipFill>
+          <a:blip r:embed="rId4" cstate="print">
+            <a:extLst>
+              <a:ext uri="{28A0092B-C50C-407E-A947-70E740481C1C}">
+                <a14:useLocalDpi xmlns:a14="http://schemas.microsoft.com/office/drawing/2010/main" val="0"/>
+              </a:ext>
+            </a:extLst>
+          </a:blip>
+          <a:stretch>
+            <a:fillRect/>
+          </a:stretch>
+        </p:blipFill>
+        <p:spPr>
+          <a:xfrm>
+            <a:off x="8676980" y="1690688"/>
+            <a:ext cx="2862722" cy="4351338"/>
+          </a:xfrm>
+          <a:prstGeom prst="ellipse">
+            <a:avLst/>
+          </a:prstGeom>
+          <a:ln w="63500" cap="rnd">
+            <a:solidFill>
+              <a:srgbClr val="333333"/>
+            </a:solidFill>
+          </a:ln>
+          <a:effectLst>
+            <a:outerShdw blurRad="381000" dist="292100" dir="5400000" sx="-80000" sy="-18000" rotWithShape="0">
+              <a:srgbClr val="000000">
+                <a:alpha val="22000"/>
+              </a:srgbClr>
+            </a:outerShdw>
+          </a:effectLst>
+          <a:scene3d>
+            <a:camera prst="orthographicFront"/>
+            <a:lightRig rig="contrasting" dir="t">
+              <a:rot lat="0" lon="0" rev="3000000"/>
+            </a:lightRig>
+          </a:scene3d>
+          <a:sp3d contourW="7620">
+            <a:bevelT w="95250" h="31750"/>
+            <a:contourClr>
+              <a:srgbClr val="333333"/>
+            </a:contourClr>
+          </a:sp3d>
+        </p:spPr>
+      </p:pic>
     </p:spTree>
     <p:extLst>
       <p:ext uri="{BB962C8B-B14F-4D97-AF65-F5344CB8AC3E}">
-        <p14:creationId xmlns:p14="http://schemas.microsoft.com/office/powerpoint/2010/main" val="3060737085"/>
+        <p14:creationId xmlns:p14="http://schemas.microsoft.com/office/powerpoint/2010/main" val="2170639272"/>
       </p:ext>
     </p:extLst>
   </p:cSld>
@@ -3169,6 +3316,20 @@
 <file path=ppt/slides/slide3.xml><?xml version="1.0" encoding="utf-8"?>
 <p:sld xmlns:a="http://schemas.openxmlformats.org/drawingml/2006/main" xmlns:r="http://schemas.openxmlformats.org/officeDocument/2006/relationships" xmlns:p="http://schemas.openxmlformats.org/presentationml/2006/main">
   <p:cSld>
+    <p:bg>
+      <p:bgPr>
+        <a:blipFill dpi="0" rotWithShape="1">
+          <a:blip r:embed="rId2">
+            <a:lum/>
+          </a:blip>
+          <a:srcRect/>
+          <a:stretch>
+            <a:fillRect/>
+          </a:stretch>
+        </a:blipFill>
+        <a:effectLst/>
+      </p:bgPr>
+    </p:bg>
     <p:spTree>
       <p:nvGrpSpPr>
         <p:cNvPr id="1" name=""/>
@@ -3190,45 +3351,53 @@
             <a:spLocks noGrp="1"/>
           </p:cNvSpPr>
           <p:nvPr>
-            <p:ph type="ctrTitle"/>
-          </p:nvPr>
-        </p:nvSpPr>
-        <p:spPr/>
-        <p:txBody>
-          <a:bodyPr/>
-          <a:lstStyle/>
-          <a:p>
-            <a:r>
-              <a:rPr lang="en-US" dirty="0" smtClean="0"/>
+            <p:ph type="title"/>
+          </p:nvPr>
+        </p:nvSpPr>
+        <p:spPr/>
+        <p:txBody>
+          <a:bodyPr/>
+          <a:lstStyle/>
+          <a:p>
+            <a:r>
+              <a:rPr lang="en-US" dirty="0" smtClean="0">
+                <a:solidFill>
+                  <a:schemeClr val="bg1"/>
+                </a:solidFill>
+              </a:rPr>
               <a:t>h3</a:t>
             </a:r>
+            <a:endParaRPr lang="en-US" dirty="0">
+              <a:solidFill>
+                <a:schemeClr val="bg1"/>
+              </a:solidFill>
+            </a:endParaRPr>
+          </a:p>
+        </p:txBody>
+      </p:sp>
+      <p:sp>
+        <p:nvSpPr>
+          <p:cNvPr id="3" name="내용 개체 틀 2"/>
+          <p:cNvSpPr>
+            <a:spLocks noGrp="1"/>
+          </p:cNvSpPr>
+          <p:nvPr>
+            <p:ph idx="1"/>
+          </p:nvPr>
+        </p:nvSpPr>
+        <p:spPr/>
+        <p:txBody>
+          <a:bodyPr/>
+          <a:lstStyle/>
+          <a:p>
             <a:endParaRPr lang="en-US" dirty="0"/>
-          </a:p>
-        </p:txBody>
-      </p:sp>
-      <p:sp>
-        <p:nvSpPr>
-          <p:cNvPr id="3" name="부제목 2"/>
-          <p:cNvSpPr>
-            <a:spLocks noGrp="1"/>
-          </p:cNvSpPr>
-          <p:nvPr>
-            <p:ph type="subTitle" idx="1"/>
-          </p:nvPr>
-        </p:nvSpPr>
-        <p:spPr/>
-        <p:txBody>
-          <a:bodyPr/>
-          <a:lstStyle/>
-          <a:p>
-            <a:endParaRPr lang="en-US"/>
           </a:p>
         </p:txBody>
       </p:sp>
     </p:spTree>
     <p:extLst>
       <p:ext uri="{BB962C8B-B14F-4D97-AF65-F5344CB8AC3E}">
-        <p14:creationId xmlns:p14="http://schemas.microsoft.com/office/powerpoint/2010/main" val="256958352"/>
+        <p14:creationId xmlns:p14="http://schemas.microsoft.com/office/powerpoint/2010/main" val="1882067934"/>
       </p:ext>
     </p:extLst>
   </p:cSld>
